--- a/docs/week-3-stack/ce205-week-3-stack.md_word.pptx
+++ b/docs/week-3-stack/ce205-week-3-stack.md_word.pptx
@@ -3405,12 +3405,7 @@
             <p:ph type="title"/>
           </p:nvPr>
         </p:nvSpPr>
-        <p:spPr>
-          <a:xfrm>
-            <a:off x="722313" y="4406900"/>
-            <a:ext cx="7772400" cy="1362075"/>
-          </a:xfrm>
-        </p:spPr>
+        <p:spPr/>
         <p:txBody>
           <a:bodyPr/>
           <a:lstStyle/>
@@ -3421,6 +3416,57 @@
             <a:r>
               <a:rPr/>
               <a:t>Stacks, Queue Structures, and Related Algorithms and Problems.</a:t>
+            </a:r>
+          </a:p>
+        </p:txBody>
+      </p:sp>
+      <p:sp>
+        <p:nvSpPr>
+          <p:cNvPr id="3" name="Content Placeholder 2"/>
+          <p:cNvSpPr>
+            <a:spLocks noGrp="1"/>
+          </p:cNvSpPr>
+          <p:nvPr>
+            <p:ph idx="1"/>
+          </p:nvPr>
+        </p:nvSpPr>
+        <p:spPr/>
+        <p:txBody>
+          <a:bodyPr/>
+          <a:lstStyle/>
+          <a:p>
+            <a:pPr lvl="0" indent="0" marL="0">
+              <a:buNone/>
+            </a:pPr>
+            <a:r>
+              <a:rPr/>
+              <a:t>Download </a:t>
+            </a:r>
+            <a:r>
+              <a:rPr>
+                <a:hlinkClick r:id="rId2"/>
+              </a:rPr>
+              <a:t>DOC</a:t>
+            </a:r>
+            <a:r>
+              <a:rPr/>
+              <a:t>, </a:t>
+            </a:r>
+            <a:r>
+              <a:rPr>
+                <a:hlinkClick r:id="rId3"/>
+              </a:rPr>
+              <a:t>SLIDE</a:t>
+            </a:r>
+            <a:r>
+              <a:rPr/>
+              <a:t>, </a:t>
+            </a:r>
+            <a:r>
+              <a:rPr>
+                <a:hlinkClick r:id="rId4"/>
+              </a:rPr>
+              <a:t>PPTX</a:t>
             </a:r>
           </a:p>
         </p:txBody>

--- a/docs/week-3-stack/ce205-week-3-stack.md_word.pptx
+++ b/docs/week-3-stack/ce205-week-3-stack.md_word.pptx
@@ -15,6 +15,18 @@
     <p:sldId id="263" r:id="rId9"/>
     <p:sldId id="264" r:id="rId10"/>
     <p:sldId id="265" r:id="rId11"/>
+    <p:sldId id="266" r:id="rId12"/>
+    <p:sldId id="267" r:id="rId13"/>
+    <p:sldId id="268" r:id="rId14"/>
+    <p:sldId id="269" r:id="rId15"/>
+    <p:sldId id="270" r:id="rId16"/>
+    <p:sldId id="271" r:id="rId17"/>
+    <p:sldId id="272" r:id="rId18"/>
+    <p:sldId id="273" r:id="rId19"/>
+    <p:sldId id="274" r:id="rId20"/>
+    <p:sldId id="275" r:id="rId21"/>
+    <p:sldId id="276" r:id="rId22"/>
+    <p:sldId id="277" r:id="rId23"/>
   </p:sldIdLst>
   <p:sldSz cx="9144000" cy="6858000" type="screen4x3"/>
   <p:notesSz cx="6858000" cy="9144000"/>
@@ -3235,6 +3247,31 @@
       </p:grpSpPr>
       <p:sp>
         <p:nvSpPr>
+          <p:cNvPr id="2" name="Title 1"/>
+          <p:cNvSpPr>
+            <a:spLocks noGrp="1"/>
+          </p:cNvSpPr>
+          <p:nvPr>
+            <p:ph type="title"/>
+          </p:nvPr>
+        </p:nvSpPr>
+        <p:spPr/>
+        <p:txBody>
+          <a:bodyPr/>
+          <a:lstStyle/>
+          <a:p>
+            <a:pPr lvl="0" indent="0" marL="0">
+              <a:buNone/>
+            </a:pPr>
+            <a:r>
+              <a:rPr/>
+              <a:t>Infix to Postfix Conversion</a:t>
+            </a:r>
+          </a:p>
+        </p:txBody>
+      </p:sp>
+      <p:sp>
+        <p:nvSpPr>
           <p:cNvPr id="3" name="Content Placeholder 2"/>
           <p:cNvSpPr>
             <a:spLocks noGrp="1"/>
@@ -3248,23 +3285,735 @@
           <a:bodyPr/>
           <a:lstStyle/>
           <a:p>
+            <a:pPr lvl="0"/>
+            <a:r>
+              <a:rPr/>
+              <a:t>BTech Smart Class</a:t>
+            </a:r>
+          </a:p>
+          <a:p>
+            <a:pPr lvl="1"/>
+            <a:r>
+              <a:rPr/>
+              <a:t>http://www.btechsmartclass.com/data_structures/infix-to-postfix.html</a:t>
+            </a:r>
+          </a:p>
+        </p:txBody>
+      </p:sp>
+    </p:spTree>
+  </p:cSld>
+</p:sld>
+</file>
+
+<file path=ppt/slides/slide11.xml><?xml version="1.0" encoding="utf-8"?>
+<p:sld xmlns:a="http://schemas.openxmlformats.org/drawingml/2006/main" xmlns:r="http://schemas.openxmlformats.org/officeDocument/2006/relationships" xmlns:p="http://schemas.openxmlformats.org/presentationml/2006/main">
+  <p:cSld>
+    <p:spTree>
+      <p:nvGrpSpPr>
+        <p:cNvPr id="1" name=""/>
+        <p:cNvGrpSpPr/>
+        <p:nvPr/>
+      </p:nvGrpSpPr>
+      <p:grpSpPr>
+        <a:xfrm>
+          <a:off x="0" y="0"/>
+          <a:ext cx="0" cy="0"/>
+          <a:chOff x="0" y="0"/>
+          <a:chExt cx="0" cy="0"/>
+        </a:xfrm>
+      </p:grpSpPr>
+      <p:sp>
+        <p:nvSpPr>
+          <p:cNvPr id="2" name="Title 1"/>
+          <p:cNvSpPr>
+            <a:spLocks noGrp="1"/>
+          </p:cNvSpPr>
+          <p:nvPr>
+            <p:ph type="title"/>
+          </p:nvPr>
+        </p:nvSpPr>
+        <p:spPr/>
+        <p:txBody>
+          <a:bodyPr/>
+          <a:lstStyle/>
+          <a:p>
             <a:pPr lvl="0" indent="0" marL="0">
               <a:buNone/>
             </a:pPr>
             <a:r>
               <a:rPr/>
-              <a:t>Multi Level Queue</a:t>
-            </a:r>
-          </a:p>
+              <a:t>Postfix Expression Evaluation</a:t>
+            </a:r>
+          </a:p>
+        </p:txBody>
+      </p:sp>
+      <p:sp>
+        <p:nvSpPr>
+          <p:cNvPr id="3" name="Content Placeholder 2"/>
+          <p:cNvSpPr>
+            <a:spLocks noGrp="1"/>
+          </p:cNvSpPr>
+          <p:nvPr>
+            <p:ph idx="1"/>
+          </p:nvPr>
+        </p:nvSpPr>
+        <p:spPr/>
+        <p:txBody>
+          <a:bodyPr/>
+          <a:lstStyle/>
+          <a:p>
+            <a:pPr lvl="0"/>
+            <a:r>
+              <a:rPr/>
+              <a:t>BTech Smart Class</a:t>
+            </a:r>
+          </a:p>
+          <a:p>
+            <a:pPr lvl="1"/>
+            <a:r>
+              <a:rPr/>
+              <a:t>http://www.btechsmartclass.com/data_structures/postfix-evaluation.html</a:t>
+            </a:r>
+          </a:p>
+        </p:txBody>
+      </p:sp>
+    </p:spTree>
+  </p:cSld>
+</p:sld>
+</file>
+
+<file path=ppt/slides/slide12.xml><?xml version="1.0" encoding="utf-8"?>
+<p:sld xmlns:a="http://schemas.openxmlformats.org/drawingml/2006/main" xmlns:r="http://schemas.openxmlformats.org/officeDocument/2006/relationships" xmlns:p="http://schemas.openxmlformats.org/presentationml/2006/main">
+  <p:cSld>
+    <p:spTree>
+      <p:nvGrpSpPr>
+        <p:cNvPr id="1" name=""/>
+        <p:cNvGrpSpPr/>
+        <p:nvPr/>
+      </p:nvGrpSpPr>
+      <p:grpSpPr>
+        <a:xfrm>
+          <a:off x="0" y="0"/>
+          <a:ext cx="0" cy="0"/>
+          <a:chOff x="0" y="0"/>
+          <a:chExt cx="0" cy="0"/>
+        </a:xfrm>
+      </p:grpSpPr>
+      <p:sp>
+        <p:nvSpPr>
+          <p:cNvPr id="2" name="Title 1"/>
+          <p:cNvSpPr>
+            <a:spLocks noGrp="1"/>
+          </p:cNvSpPr>
+          <p:nvPr>
+            <p:ph type="title"/>
+          </p:nvPr>
+        </p:nvSpPr>
+        <p:spPr/>
+        <p:txBody>
+          <a:bodyPr/>
+          <a:lstStyle/>
           <a:p>
             <a:pPr lvl="0" indent="0" marL="0">
               <a:buNone/>
             </a:pPr>
+            <a:r>
+              <a:rPr/>
+              <a:t>Queue ADT</a:t>
+            </a:r>
+          </a:p>
+        </p:txBody>
+      </p:sp>
+      <p:sp>
+        <p:nvSpPr>
+          <p:cNvPr id="3" name="Content Placeholder 2"/>
+          <p:cNvSpPr>
+            <a:spLocks noGrp="1"/>
+          </p:cNvSpPr>
+          <p:nvPr>
+            <p:ph idx="1"/>
+          </p:nvPr>
+        </p:nvSpPr>
+        <p:spPr/>
+        <p:txBody>
+          <a:bodyPr/>
+          <a:lstStyle/>
+          <a:p>
+            <a:pPr lvl="0"/>
+            <a:r>
+              <a:rPr/>
+              <a:t>BTech Smart Class</a:t>
+            </a:r>
+          </a:p>
+          <a:p>
+            <a:pPr lvl="1"/>
+            <a:r>
+              <a:rPr/>
+              <a:t>http://www.btechsmartclass.com/data_structures/queue-adt.html</a:t>
+            </a:r>
+          </a:p>
+        </p:txBody>
+      </p:sp>
+    </p:spTree>
+  </p:cSld>
+</p:sld>
+</file>
+
+<file path=ppt/slides/slide13.xml><?xml version="1.0" encoding="utf-8"?>
+<p:sld xmlns:a="http://schemas.openxmlformats.org/drawingml/2006/main" xmlns:r="http://schemas.openxmlformats.org/officeDocument/2006/relationships" xmlns:p="http://schemas.openxmlformats.org/presentationml/2006/main">
+  <p:cSld>
+    <p:spTree>
+      <p:nvGrpSpPr>
+        <p:cNvPr id="1" name=""/>
+        <p:cNvGrpSpPr/>
+        <p:nvPr/>
+      </p:nvGrpSpPr>
+      <p:grpSpPr>
+        <a:xfrm>
+          <a:off x="0" y="0"/>
+          <a:ext cx="0" cy="0"/>
+          <a:chOff x="0" y="0"/>
+          <a:chExt cx="0" cy="0"/>
+        </a:xfrm>
+      </p:grpSpPr>
+      <p:sp>
+        <p:nvSpPr>
+          <p:cNvPr id="2" name="Title 1"/>
+          <p:cNvSpPr>
+            <a:spLocks noGrp="1"/>
+          </p:cNvSpPr>
+          <p:nvPr>
+            <p:ph type="title"/>
+          </p:nvPr>
+        </p:nvSpPr>
+        <p:spPr/>
+        <p:txBody>
+          <a:bodyPr/>
+          <a:lstStyle/>
+          <a:p>
+            <a:pPr lvl="0" indent="0" marL="0">
+              <a:buNone/>
+            </a:pPr>
+            <a:r>
+              <a:rPr/>
+              <a:t>First Come First Serve, FCFS, FIFO</a:t>
+            </a:r>
+          </a:p>
+        </p:txBody>
+      </p:sp>
+      <p:sp>
+        <p:nvSpPr>
+          <p:cNvPr id="3" name="Content Placeholder 2"/>
+          <p:cNvSpPr>
+            <a:spLocks noGrp="1"/>
+          </p:cNvSpPr>
+          <p:nvPr>
+            <p:ph idx="1"/>
+          </p:nvPr>
+        </p:nvSpPr>
+        <p:spPr/>
+        <p:txBody>
+          <a:bodyPr/>
+          <a:lstStyle/>
+          <a:p>
+            <a:pPr lvl="0"/>
+            <a:r>
+              <a:rPr/>
+              <a:t>BTech Smart Class</a:t>
+            </a:r>
+          </a:p>
+          <a:p>
+            <a:pPr lvl="1"/>
+            <a:r>
+              <a:rPr/>
+              <a:t>http://www.btechsmartclass.com/downloads/lab-manuals/Operating-System-Lab-Manual-R18-JNTUH.pdf</a:t>
+            </a:r>
+          </a:p>
+        </p:txBody>
+      </p:sp>
+    </p:spTree>
+  </p:cSld>
+</p:sld>
+</file>
+
+<file path=ppt/slides/slide14.xml><?xml version="1.0" encoding="utf-8"?>
+<p:sld xmlns:a="http://schemas.openxmlformats.org/drawingml/2006/main" xmlns:r="http://schemas.openxmlformats.org/officeDocument/2006/relationships" xmlns:p="http://schemas.openxmlformats.org/presentationml/2006/main">
+  <p:cSld>
+    <p:spTree>
+      <p:nvGrpSpPr>
+        <p:cNvPr id="1" name=""/>
+        <p:cNvGrpSpPr/>
+        <p:nvPr/>
+      </p:nvGrpSpPr>
+      <p:grpSpPr>
+        <a:xfrm>
+          <a:off x="0" y="0"/>
+          <a:ext cx="0" cy="0"/>
+          <a:chOff x="0" y="0"/>
+          <a:chExt cx="0" cy="0"/>
+        </a:xfrm>
+      </p:grpSpPr>
+      <p:sp>
+        <p:nvSpPr>
+          <p:cNvPr id="2" name="Title 1"/>
+          <p:cNvSpPr>
+            <a:spLocks noGrp="1"/>
+          </p:cNvSpPr>
+          <p:nvPr>
+            <p:ph type="title"/>
+          </p:nvPr>
+        </p:nvSpPr>
+        <p:spPr/>
+        <p:txBody>
+          <a:bodyPr/>
+          <a:lstStyle/>
+          <a:p>
+            <a:pPr lvl="0" indent="0" marL="0">
+              <a:buNone/>
+            </a:pPr>
+            <a:r>
+              <a:rPr/>
+              <a:t>Queue Data structure Using Array</a:t>
+            </a:r>
+          </a:p>
+        </p:txBody>
+      </p:sp>
+      <p:sp>
+        <p:nvSpPr>
+          <p:cNvPr id="3" name="Content Placeholder 2"/>
+          <p:cNvSpPr>
+            <a:spLocks noGrp="1"/>
+          </p:cNvSpPr>
+          <p:nvPr>
+            <p:ph idx="1"/>
+          </p:nvPr>
+        </p:nvSpPr>
+        <p:spPr/>
+        <p:txBody>
+          <a:bodyPr/>
+          <a:lstStyle/>
+          <a:p>
+            <a:pPr lvl="0"/>
+            <a:r>
+              <a:rPr/>
+              <a:t>BTech Smart Class</a:t>
+            </a:r>
+          </a:p>
+          <a:p>
+            <a:pPr lvl="1"/>
+            <a:r>
+              <a:rPr/>
+              <a:t>http://www.btechsmartclass.com/data_structures/queue-using-array.html</a:t>
+            </a:r>
+          </a:p>
+        </p:txBody>
+      </p:sp>
+    </p:spTree>
+  </p:cSld>
+</p:sld>
+</file>
+
+<file path=ppt/slides/slide15.xml><?xml version="1.0" encoding="utf-8"?>
+<p:sld xmlns:a="http://schemas.openxmlformats.org/drawingml/2006/main" xmlns:r="http://schemas.openxmlformats.org/officeDocument/2006/relationships" xmlns:p="http://schemas.openxmlformats.org/presentationml/2006/main">
+  <p:cSld>
+    <p:spTree>
+      <p:nvGrpSpPr>
+        <p:cNvPr id="1" name=""/>
+        <p:cNvGrpSpPr/>
+        <p:nvPr/>
+      </p:nvGrpSpPr>
+      <p:grpSpPr>
+        <a:xfrm>
+          <a:off x="0" y="0"/>
+          <a:ext cx="0" cy="0"/>
+          <a:chOff x="0" y="0"/>
+          <a:chExt cx="0" cy="0"/>
+        </a:xfrm>
+      </p:grpSpPr>
+      <p:sp>
+        <p:nvSpPr>
+          <p:cNvPr id="2" name="Title 1"/>
+          <p:cNvSpPr>
+            <a:spLocks noGrp="1"/>
+          </p:cNvSpPr>
+          <p:nvPr>
+            <p:ph type="title"/>
+          </p:nvPr>
+        </p:nvSpPr>
+        <p:spPr/>
+        <p:txBody>
+          <a:bodyPr/>
+          <a:lstStyle/>
+          <a:p>
+            <a:pPr lvl="0" indent="0" marL="0">
+              <a:buNone/>
+            </a:pPr>
+            <a:r>
+              <a:rPr/>
+              <a:t>Queue Using Linked List</a:t>
+            </a:r>
+          </a:p>
+        </p:txBody>
+      </p:sp>
+      <p:sp>
+        <p:nvSpPr>
+          <p:cNvPr id="3" name="Content Placeholder 2"/>
+          <p:cNvSpPr>
+            <a:spLocks noGrp="1"/>
+          </p:cNvSpPr>
+          <p:nvPr>
+            <p:ph idx="1"/>
+          </p:nvPr>
+        </p:nvSpPr>
+        <p:spPr/>
+        <p:txBody>
+          <a:bodyPr/>
+          <a:lstStyle/>
+          <a:p>
+            <a:pPr lvl="0"/>
+            <a:r>
+              <a:rPr/>
+              <a:t>BTech Smart Class</a:t>
+            </a:r>
+          </a:p>
+          <a:p>
+            <a:pPr lvl="1"/>
+            <a:r>
+              <a:rPr/>
+              <a:t>http://www.btechsmartclass.com/data_structures/queue-using-linked-list.html</a:t>
+            </a:r>
+          </a:p>
+        </p:txBody>
+      </p:sp>
+    </p:spTree>
+  </p:cSld>
+</p:sld>
+</file>
+
+<file path=ppt/slides/slide16.xml><?xml version="1.0" encoding="utf-8"?>
+<p:sld xmlns:a="http://schemas.openxmlformats.org/drawingml/2006/main" xmlns:r="http://schemas.openxmlformats.org/officeDocument/2006/relationships" xmlns:p="http://schemas.openxmlformats.org/presentationml/2006/main">
+  <p:cSld>
+    <p:spTree>
+      <p:nvGrpSpPr>
+        <p:cNvPr id="1" name=""/>
+        <p:cNvGrpSpPr/>
+        <p:nvPr/>
+      </p:nvGrpSpPr>
+      <p:grpSpPr>
+        <a:xfrm>
+          <a:off x="0" y="0"/>
+          <a:ext cx="0" cy="0"/>
+          <a:chOff x="0" y="0"/>
+          <a:chExt cx="0" cy="0"/>
+        </a:xfrm>
+      </p:grpSpPr>
+      <p:sp>
+        <p:nvSpPr>
+          <p:cNvPr id="2" name="Title 1"/>
+          <p:cNvSpPr>
+            <a:spLocks noGrp="1"/>
+          </p:cNvSpPr>
+          <p:nvPr>
+            <p:ph type="title"/>
+          </p:nvPr>
+        </p:nvSpPr>
+        <p:spPr/>
+        <p:txBody>
+          <a:bodyPr/>
+          <a:lstStyle/>
+          <a:p>
+            <a:pPr lvl="0" indent="0" marL="0">
+              <a:buNone/>
+            </a:pPr>
+            <a:r>
+              <a:rPr/>
+              <a:t>Circular Queue Data structure</a:t>
+            </a:r>
+          </a:p>
+        </p:txBody>
+      </p:sp>
+      <p:sp>
+        <p:nvSpPr>
+          <p:cNvPr id="3" name="Content Placeholder 2"/>
+          <p:cNvSpPr>
+            <a:spLocks noGrp="1"/>
+          </p:cNvSpPr>
+          <p:nvPr>
+            <p:ph idx="1"/>
+          </p:nvPr>
+        </p:nvSpPr>
+        <p:spPr/>
+        <p:txBody>
+          <a:bodyPr/>
+          <a:lstStyle/>
+          <a:p>
+            <a:pPr lvl="0"/>
+            <a:r>
+              <a:rPr/>
+              <a:t>BTech Smart Class</a:t>
+            </a:r>
+          </a:p>
+          <a:p>
+            <a:pPr lvl="1"/>
+            <a:r>
+              <a:rPr/>
+              <a:t>http://www.btechsmartclass.com/data_structures/circular-queue.html</a:t>
+            </a:r>
+          </a:p>
+        </p:txBody>
+      </p:sp>
+    </p:spTree>
+  </p:cSld>
+</p:sld>
+</file>
+
+<file path=ppt/slides/slide17.xml><?xml version="1.0" encoding="utf-8"?>
+<p:sld xmlns:a="http://schemas.openxmlformats.org/drawingml/2006/main" xmlns:r="http://schemas.openxmlformats.org/officeDocument/2006/relationships" xmlns:p="http://schemas.openxmlformats.org/presentationml/2006/main">
+  <p:cSld>
+    <p:spTree>
+      <p:nvGrpSpPr>
+        <p:cNvPr id="1" name=""/>
+        <p:cNvGrpSpPr/>
+        <p:nvPr/>
+      </p:nvGrpSpPr>
+      <p:grpSpPr>
+        <a:xfrm>
+          <a:off x="0" y="0"/>
+          <a:ext cx="0" cy="0"/>
+          <a:chOff x="0" y="0"/>
+          <a:chExt cx="0" cy="0"/>
+        </a:xfrm>
+      </p:grpSpPr>
+      <p:sp>
+        <p:nvSpPr>
+          <p:cNvPr id="2" name="Title 1"/>
+          <p:cNvSpPr>
+            <a:spLocks noGrp="1"/>
+          </p:cNvSpPr>
+          <p:nvPr>
+            <p:ph type="title"/>
+          </p:nvPr>
+        </p:nvSpPr>
+        <p:spPr/>
+        <p:txBody>
+          <a:bodyPr/>
+          <a:lstStyle/>
+          <a:p>
+            <a:pPr lvl="0" indent="0" marL="0">
+              <a:buNone/>
+            </a:pPr>
+            <a:r>
+              <a:rPr/>
+              <a:t>Double Ended Queue Data structure</a:t>
+            </a:r>
+          </a:p>
+        </p:txBody>
+      </p:sp>
+      <p:sp>
+        <p:nvSpPr>
+          <p:cNvPr id="3" name="Content Placeholder 2"/>
+          <p:cNvSpPr>
+            <a:spLocks noGrp="1"/>
+          </p:cNvSpPr>
+          <p:nvPr>
+            <p:ph idx="1"/>
+          </p:nvPr>
+        </p:nvSpPr>
+        <p:spPr/>
+        <p:txBody>
+          <a:bodyPr/>
+          <a:lstStyle/>
+          <a:p>
+            <a:pPr lvl="0"/>
+            <a:r>
+              <a:rPr/>
+              <a:t>BTech Smart Class</a:t>
+            </a:r>
+          </a:p>
+          <a:p>
+            <a:pPr lvl="1"/>
+            <a:r>
+              <a:rPr/>
+              <a:t>http://www.btechsmartclass.com/data_structures/double-ended-queue.html</a:t>
+            </a:r>
+          </a:p>
+        </p:txBody>
+      </p:sp>
+    </p:spTree>
+  </p:cSld>
+</p:sld>
+</file>
+
+<file path=ppt/slides/slide18.xml><?xml version="1.0" encoding="utf-8"?>
+<p:sld xmlns:a="http://schemas.openxmlformats.org/drawingml/2006/main" xmlns:r="http://schemas.openxmlformats.org/officeDocument/2006/relationships" xmlns:p="http://schemas.openxmlformats.org/presentationml/2006/main">
+  <p:cSld>
+    <p:spTree>
+      <p:nvGrpSpPr>
+        <p:cNvPr id="1" name=""/>
+        <p:cNvGrpSpPr/>
+        <p:nvPr/>
+      </p:nvGrpSpPr>
+      <p:grpSpPr>
+        <a:xfrm>
+          <a:off x="0" y="0"/>
+          <a:ext cx="0" cy="0"/>
+          <a:chOff x="0" y="0"/>
+          <a:chExt cx="0" cy="0"/>
+        </a:xfrm>
+      </p:grpSpPr>
+      <p:sp>
+        <p:nvSpPr>
+          <p:cNvPr id="2" name="Title 1"/>
+          <p:cNvSpPr>
+            <a:spLocks noGrp="1"/>
+          </p:cNvSpPr>
+          <p:nvPr>
+            <p:ph type="title"/>
+          </p:nvPr>
+        </p:nvSpPr>
+        <p:spPr/>
+        <p:txBody>
+          <a:bodyPr/>
+          <a:lstStyle/>
+          <a:p>
+            <a:pPr lvl="0" indent="0" marL="0">
+              <a:buNone/>
+            </a:pPr>
+            <a:r>
+              <a:rPr/>
+              <a:t>Multilevel Queue (MLQ)</a:t>
+            </a:r>
+          </a:p>
+        </p:txBody>
+      </p:sp>
+      <p:sp>
+        <p:nvSpPr>
+          <p:cNvPr id="3" name="Content Placeholder 2"/>
+          <p:cNvSpPr>
+            <a:spLocks noGrp="1"/>
+          </p:cNvSpPr>
+          <p:nvPr>
+            <p:ph idx="1"/>
+          </p:nvPr>
+        </p:nvSpPr>
+        <p:spPr/>
+        <p:txBody>
+          <a:bodyPr/>
+          <a:lstStyle/>
+          <a:p>
+            <a:pPr lvl="0"/>
+            <a:r>
+              <a:rPr/>
+              <a:t>Geeks for Geeks</a:t>
+            </a:r>
+          </a:p>
+          <a:p>
+            <a:pPr lvl="1"/>
+            <a:r>
+              <a:rPr/>
+              <a:t>https://www.geeksforgeeks.org/multilevel-queue-mlq-cpu-scheduling/</a:t>
+            </a:r>
+          </a:p>
+        </p:txBody>
+      </p:sp>
+    </p:spTree>
+  </p:cSld>
+</p:sld>
+</file>
+
+<file path=ppt/slides/slide19.xml><?xml version="1.0" encoding="utf-8"?>
+<p:sld xmlns:a="http://schemas.openxmlformats.org/drawingml/2006/main" xmlns:r="http://schemas.openxmlformats.org/officeDocument/2006/relationships" xmlns:p="http://schemas.openxmlformats.org/presentationml/2006/main">
+  <p:cSld>
+    <p:spTree>
+      <p:nvGrpSpPr>
+        <p:cNvPr id="1" name=""/>
+        <p:cNvGrpSpPr/>
+        <p:nvPr/>
+      </p:nvGrpSpPr>
+      <p:grpSpPr>
+        <a:xfrm>
+          <a:off x="0" y="0"/>
+          <a:ext cx="0" cy="0"/>
+          <a:chOff x="0" y="0"/>
+          <a:chExt cx="0" cy="0"/>
+        </a:xfrm>
+      </p:grpSpPr>
+      <p:sp>
+        <p:nvSpPr>
+          <p:cNvPr id="2" name="Title 1"/>
+          <p:cNvSpPr>
+            <a:spLocks noGrp="1"/>
+          </p:cNvSpPr>
+          <p:nvPr>
+            <p:ph type="title"/>
+          </p:nvPr>
+        </p:nvSpPr>
+        <p:spPr/>
+        <p:txBody>
+          <a:bodyPr/>
+          <a:lstStyle/>
+          <a:p>
+            <a:pPr lvl="0" indent="0" marL="0">
+              <a:buNone/>
+            </a:pPr>
+            <a:r>
+              <a:rPr/>
+              <a:t>Hanoi Tower</a:t>
+            </a:r>
+          </a:p>
+        </p:txBody>
+      </p:sp>
+      <p:sp>
+        <p:nvSpPr>
+          <p:cNvPr id="3" name="Content Placeholder 2"/>
+          <p:cNvSpPr>
+            <a:spLocks noGrp="1"/>
+          </p:cNvSpPr>
+          <p:nvPr>
+            <p:ph idx="1"/>
+          </p:nvPr>
+        </p:nvSpPr>
+        <p:spPr/>
+        <p:txBody>
+          <a:bodyPr/>
+          <a:lstStyle/>
+          <a:p>
+            <a:pPr lvl="0"/>
+            <a:r>
+              <a:rPr/>
+              <a:t>Geeks for Geeks</a:t>
+            </a:r>
+          </a:p>
+          <a:p>
+            <a:pPr lvl="1"/>
+            <a:r>
+              <a:rPr/>
+              <a:t>Recursive Version</a:t>
+            </a:r>
+          </a:p>
+          <a:p>
+            <a:pPr lvl="2"/>
             <a:r>
               <a:rPr>
                 <a:hlinkClick r:id="rId2"/>
               </a:rPr>
-              <a:t>Multilevel Queue (MLQ) CPU Scheduling - GeeksforGeeks</a:t>
+              <a:t>Program for Tower of Hanoi - GeeksforGeeks</a:t>
+            </a:r>
+          </a:p>
+          <a:p>
+            <a:pPr lvl="1"/>
+            <a:r>
+              <a:rPr/>
+              <a:t>Iterative Version</a:t>
+            </a:r>
+          </a:p>
+          <a:p>
+            <a:pPr lvl="2"/>
+            <a:r>
+              <a:rPr>
+                <a:hlinkClick r:id="rId3"/>
+              </a:rPr>
+              <a:t>Iterative Tower of Hanoi - GeeksforGeeks</a:t>
             </a:r>
           </a:p>
         </p:txBody>
@@ -3326,6 +4075,385 @@
 </p:sld>
 </file>
 
+<file path=ppt/slides/slide20.xml><?xml version="1.0" encoding="utf-8"?>
+<p:sld xmlns:a="http://schemas.openxmlformats.org/drawingml/2006/main" xmlns:r="http://schemas.openxmlformats.org/officeDocument/2006/relationships" xmlns:p="http://schemas.openxmlformats.org/presentationml/2006/main">
+  <p:cSld>
+    <p:spTree>
+      <p:nvGrpSpPr>
+        <p:cNvPr id="1" name=""/>
+        <p:cNvGrpSpPr/>
+        <p:nvPr/>
+      </p:nvGrpSpPr>
+      <p:grpSpPr>
+        <a:xfrm>
+          <a:off x="0" y="0"/>
+          <a:ext cx="0" cy="0"/>
+          <a:chOff x="0" y="0"/>
+          <a:chExt cx="0" cy="0"/>
+        </a:xfrm>
+      </p:grpSpPr>
+      <p:sp>
+        <p:nvSpPr>
+          <p:cNvPr id="2" name="Title 1"/>
+          <p:cNvSpPr>
+            <a:spLocks noGrp="1"/>
+          </p:cNvSpPr>
+          <p:nvPr>
+            <p:ph type="title"/>
+          </p:nvPr>
+        </p:nvSpPr>
+        <p:spPr/>
+        <p:txBody>
+          <a:bodyPr/>
+          <a:lstStyle/>
+          <a:p>
+            <a:pPr lvl="0" indent="0" marL="0">
+              <a:buNone/>
+            </a:pPr>
+            <a:r>
+              <a:rPr/>
+              <a:t>Hanoi Tower Iterative Algorithm:</a:t>
+            </a:r>
+          </a:p>
+        </p:txBody>
+      </p:sp>
+      <mc:AlternateContent xmlns:mc="http://schemas.openxmlformats.org/markup-compatibility/2006">
+        <mc:Choice xmlns:a14="http://schemas.microsoft.com/office/drawing/2010/main" Requires="a14">
+          <p:sp>
+            <p:nvSpPr>
+              <p:cNvPr id="3" name="Content Placeholder 2"/>
+              <p:cNvSpPr>
+                <a:spLocks noGrp="1"/>
+              </p:cNvSpPr>
+              <p:nvPr>
+                <p:ph idx="1"/>
+              </p:nvPr>
+            </p:nvSpPr>
+            <p:spPr/>
+            <p:txBody>
+              <a:bodyPr/>
+              <a:lstStyle/>
+              <a:p>
+                <a:pPr lvl="0" indent="0" marL="0">
+                  <a:buNone/>
+                </a:pPr>
+                <a:r>
+                  <a:rPr/>
+                  <a:t>S = Source</a:t>
+                </a:r>
+              </a:p>
+              <a:p>
+                <a:pPr lvl="0" indent="0" marL="0">
+                  <a:buNone/>
+                </a:pPr>
+                <a:r>
+                  <a:rPr/>
+                  <a:t>A = Aux</a:t>
+                </a:r>
+              </a:p>
+              <a:p>
+                <a:pPr lvl="0" indent="0" marL="0">
+                  <a:buNone/>
+                </a:pPr>
+                <a:r>
+                  <a:rPr/>
+                  <a:t>D = Dest</a:t>
+                </a:r>
+              </a:p>
+              <a:p>
+                <a:pPr lvl="0" indent="0" marL="0">
+                  <a:buNone/>
+                </a:pPr>
+                <a:r>
+                  <a:rPr/>
+                  <a:t>Calculate the total number of moves required i.e.</a:t>
+                </a:r>
+              </a:p>
+              <a:p>
+                <a:pPr lvl="0" indent="0" marL="0">
+                  <a:buNone/>
+                </a:pPr>
+                <a14:m>
+                  <m:oMath xmlns:m="http://schemas.openxmlformats.org/officeDocument/2006/math">
+                    <m:r>
+                      <m:t>p</m:t>
+                    </m:r>
+                    <m:r>
+                      <m:t>o</m:t>
+                    </m:r>
+                    <m:r>
+                      <m:t>w</m:t>
+                    </m:r>
+                    <m:d>
+                      <m:dPr>
+                        <m:begChr m:val="("/>
+                        <m:endChr m:val=")"/>
+                        <m:sepChr m:val=""/>
+                        <m:grow/>
+                      </m:dPr>
+                      <m:e>
+                        <m:r>
+                          <m:t>2</m:t>
+                        </m:r>
+                        <m:r>
+                          <m:rPr>
+                            <m:sty m:val="p"/>
+                          </m:rPr>
+                          <m:t>,</m:t>
+                        </m:r>
+                        <m:r>
+                          <m:t>n</m:t>
+                        </m:r>
+                      </m:e>
+                    </m:d>
+                    <m:r>
+                      <m:rPr>
+                        <m:sty m:val="p"/>
+                      </m:rPr>
+                      <m:t>−</m:t>
+                    </m:r>
+                    <m:r>
+                      <m:t>1</m:t>
+                    </m:r>
+                  </m:oMath>
+                </a14:m>
+                <a:r>
+                  <a:rPr/>
+                  <a:t> here n is number of disks.</a:t>
+                </a:r>
+              </a:p>
+            </p:txBody>
+          </p:sp>
+        </mc:Choice>
+      </mc:AlternateContent>
+    </p:spTree>
+  </p:cSld>
+</p:sld>
+</file>
+
+<file path=ppt/slides/slide21.xml><?xml version="1.0" encoding="utf-8"?>
+<p:sld xmlns:a="http://schemas.openxmlformats.org/drawingml/2006/main" xmlns:r="http://schemas.openxmlformats.org/officeDocument/2006/relationships" xmlns:p="http://schemas.openxmlformats.org/presentationml/2006/main">
+  <p:cSld>
+    <p:spTree>
+      <p:nvGrpSpPr>
+        <p:cNvPr id="1" name=""/>
+        <p:cNvGrpSpPr/>
+        <p:nvPr/>
+      </p:nvGrpSpPr>
+      <p:grpSpPr>
+        <a:xfrm>
+          <a:off x="0" y="0"/>
+          <a:ext cx="0" cy="0"/>
+          <a:chOff x="0" y="0"/>
+          <a:chExt cx="0" cy="0"/>
+        </a:xfrm>
+      </p:grpSpPr>
+      <p:sp>
+        <p:nvSpPr>
+          <p:cNvPr id="2" name="Title 1"/>
+          <p:cNvSpPr>
+            <a:spLocks noGrp="1"/>
+          </p:cNvSpPr>
+          <p:nvPr>
+            <p:ph type="title"/>
+          </p:nvPr>
+        </p:nvSpPr>
+        <p:spPr/>
+        <p:txBody>
+          <a:bodyPr/>
+          <a:lstStyle/>
+          <a:p>
+            <a:pPr lvl="0" indent="0" marL="0">
+              <a:buNone/>
+            </a:pPr>
+            <a:r>
+              <a:rPr/>
+              <a:t>Hanoi Tower Iterative Algorithm:</a:t>
+            </a:r>
+          </a:p>
+        </p:txBody>
+      </p:sp>
+      <p:sp>
+        <p:nvSpPr>
+          <p:cNvPr id="3" name="Content Placeholder 2"/>
+          <p:cNvSpPr>
+            <a:spLocks noGrp="1"/>
+          </p:cNvSpPr>
+          <p:nvPr>
+            <p:ph idx="1"/>
+          </p:nvPr>
+        </p:nvSpPr>
+        <p:spPr/>
+        <p:txBody>
+          <a:bodyPr/>
+          <a:lstStyle/>
+          <a:p>
+            <a:pPr lvl="0"/>
+            <a:r>
+              <a:rPr/>
+              <a:t>If number of disks (i.e. n) is even then interchange destination pole and auxiliary pole.</a:t>
+            </a:r>
+          </a:p>
+          <a:p>
+            <a:pPr lvl="0"/>
+            <a:r>
+              <a:rPr/>
+              <a:t>for i = 1 to total number of moves:</a:t>
+            </a:r>
+          </a:p>
+          <a:p>
+            <a:pPr lvl="1"/>
+            <a:r>
+              <a:rPr/>
+              <a:t>if i%3 == 1:</a:t>
+            </a:r>
+          </a:p>
+          <a:p>
+            <a:pPr lvl="2"/>
+            <a:r>
+              <a:rPr/>
+              <a:t>legal movement of top disk between source pole and destination pole</a:t>
+            </a:r>
+          </a:p>
+          <a:p>
+            <a:pPr lvl="1"/>
+            <a:r>
+              <a:rPr/>
+              <a:t>if i%3 == 2:</a:t>
+            </a:r>
+          </a:p>
+          <a:p>
+            <a:pPr lvl="2"/>
+            <a:r>
+              <a:rPr/>
+              <a:t>legal movement top disk between source pole and auxiliary pole</a:t>
+            </a:r>
+          </a:p>
+          <a:p>
+            <a:pPr lvl="1"/>
+            <a:r>
+              <a:rPr/>
+              <a:t>if i%3 == 0:</a:t>
+            </a:r>
+          </a:p>
+          <a:p>
+            <a:pPr lvl="2"/>
+            <a:r>
+              <a:rPr/>
+              <a:t>legal movement top disk between auxiliary pole and destination pole</a:t>
+            </a:r>
+          </a:p>
+        </p:txBody>
+      </p:sp>
+    </p:spTree>
+  </p:cSld>
+</p:sld>
+</file>
+
+<file path=ppt/slides/slide22.xml><?xml version="1.0" encoding="utf-8"?>
+<p:sld xmlns:a="http://schemas.openxmlformats.org/drawingml/2006/main" xmlns:r="http://schemas.openxmlformats.org/officeDocument/2006/relationships" xmlns:p="http://schemas.openxmlformats.org/presentationml/2006/main">
+  <p:cSld>
+    <p:spTree>
+      <p:nvGrpSpPr>
+        <p:cNvPr id="1" name=""/>
+        <p:cNvGrpSpPr/>
+        <p:nvPr/>
+      </p:nvGrpSpPr>
+      <p:grpSpPr>
+        <a:xfrm>
+          <a:off x="0" y="0"/>
+          <a:ext cx="0" cy="0"/>
+          <a:chOff x="0" y="0"/>
+          <a:chExt cx="0" cy="0"/>
+        </a:xfrm>
+      </p:grpSpPr>
+      <mc:AlternateContent xmlns:mc="http://schemas.openxmlformats.org/markup-compatibility/2006">
+        <mc:Choice xmlns:a14="http://schemas.microsoft.com/office/drawing/2010/main" Requires="a14">
+          <p:sp>
+            <p:nvSpPr>
+              <p:cNvPr id="3" name="Content Placeholder 2"/>
+              <p:cNvSpPr>
+                <a:spLocks noGrp="1"/>
+              </p:cNvSpPr>
+              <p:nvPr>
+                <p:ph idx="1"/>
+              </p:nvPr>
+            </p:nvSpPr>
+            <p:spPr/>
+            <p:txBody>
+              <a:bodyPr/>
+              <a:lstStyle/>
+              <a:p>
+                <a:pPr lvl="0" indent="0" marL="0">
+                  <a:buNone/>
+                </a:pPr>
+                <a14:m>
+                  <m:oMathPara xmlns:m="http://schemas.openxmlformats.org/officeDocument/2006/math">
+                    <m:oMathParaPr>
+                      <m:jc m:val="center"/>
+                    </m:oMathParaPr>
+                    <m:oMath>
+                      <m:r>
+                        <m:t>E</m:t>
+                      </m:r>
+                      <m:r>
+                        <m:t>n</m:t>
+                      </m:r>
+                      <m:r>
+                        <m:t>d</m:t>
+                      </m:r>
+                      <m:r>
+                        <m:rPr>
+                          <m:sty m:val="p"/>
+                        </m:rPr>
+                        <m:t>−</m:t>
+                      </m:r>
+                      <m:r>
+                        <m:t>O</m:t>
+                      </m:r>
+                      <m:r>
+                        <m:t>f</m:t>
+                      </m:r>
+                      <m:r>
+                        <m:rPr>
+                          <m:sty m:val="p"/>
+                        </m:rPr>
+                        <m:t>−</m:t>
+                      </m:r>
+                      <m:r>
+                        <m:t>W</m:t>
+                      </m:r>
+                      <m:r>
+                        <m:t>e</m:t>
+                      </m:r>
+                      <m:r>
+                        <m:t>e</m:t>
+                      </m:r>
+                      <m:r>
+                        <m:t>k</m:t>
+                      </m:r>
+                      <m:r>
+                        <m:rPr>
+                          <m:sty m:val="p"/>
+                        </m:rPr>
+                        <m:t>−</m:t>
+                      </m:r>
+                      <m:r>
+                        <m:t>3</m:t>
+                      </m:r>
+                    </m:oMath>
+                  </m:oMathPara>
+                </a14:m>
+              </a:p>
+            </p:txBody>
+          </p:sp>
+        </mc:Choice>
+      </mc:AlternateContent>
+    </p:spTree>
+  </p:cSld>
+</p:sld>
+</file>
+
 <file path=ppt/slides/slide3.xml><?xml version="1.0" encoding="utf-8"?>
 <p:sld xmlns:a="http://schemas.openxmlformats.org/drawingml/2006/main" xmlns:r="http://schemas.openxmlformats.org/officeDocument/2006/relationships" xmlns:p="http://schemas.openxmlformats.org/presentationml/2006/main">
   <p:cSld>
@@ -3353,12 +4481,7 @@
             <p:ph type="title"/>
           </p:nvPr>
         </p:nvSpPr>
-        <p:spPr>
-          <a:xfrm>
-            <a:off x="722313" y="4406900"/>
-            <a:ext cx="7772400" cy="1362075"/>
-          </a:xfrm>
-        </p:spPr>
+        <p:spPr/>
         <p:txBody>
           <a:bodyPr/>
           <a:lstStyle/>
@@ -3369,6 +4492,69 @@
             <a:r>
               <a:rPr/>
               <a:t>Week-3</a:t>
+            </a:r>
+          </a:p>
+        </p:txBody>
+      </p:sp>
+      <p:sp>
+        <p:nvSpPr>
+          <p:cNvPr id="3" name="Content Placeholder 2"/>
+          <p:cNvSpPr>
+            <a:spLocks noGrp="1"/>
+          </p:cNvSpPr>
+          <p:nvPr>
+            <p:ph idx="1"/>
+          </p:nvPr>
+        </p:nvSpPr>
+        <p:spPr/>
+        <p:txBody>
+          <a:bodyPr/>
+          <a:lstStyle/>
+          <a:p>
+            <a:pPr lvl="0" indent="0" marL="0">
+              <a:spcBef>
+                <a:spcPts val="3000"/>
+              </a:spcBef>
+              <a:buNone/>
+            </a:pPr>
+            <a:r>
+              <a:rPr b="1"/>
+              <a:t>Stacks, Queue Structures, and Related Algorithms and Problems.</a:t>
+            </a:r>
+          </a:p>
+          <a:p>
+            <a:pPr lvl="0" indent="0" marL="0">
+              <a:buNone/>
+            </a:pPr>
+            <a:r>
+              <a:rPr/>
+              <a:t>Download </a:t>
+            </a:r>
+            <a:r>
+              <a:rPr>
+                <a:hlinkClick r:id="rId2"/>
+              </a:rPr>
+              <a:t>DOC</a:t>
+            </a:r>
+            <a:r>
+              <a:rPr/>
+              <a:t>, </a:t>
+            </a:r>
+            <a:r>
+              <a:rPr>
+                <a:hlinkClick r:id="rId3"/>
+              </a:rPr>
+              <a:t>SLIDE</a:t>
+            </a:r>
+            <a:r>
+              <a:rPr/>
+              <a:t>, </a:t>
+            </a:r>
+            <a:r>
+              <a:rPr>
+                <a:hlinkClick r:id="rId4"/>
+              </a:rPr>
+              <a:t>PPTX</a:t>
             </a:r>
           </a:p>
         </p:txBody>
@@ -3415,7 +4601,7 @@
             </a:pPr>
             <a:r>
               <a:rPr/>
-              <a:t>Stacks, Queue Structures, and Related Algorithms and Problems.</a:t>
+              <a:t>Outline-1</a:t>
             </a:r>
           </a:p>
         </p:txBody>
@@ -3435,38 +4621,66 @@
           <a:bodyPr/>
           <a:lstStyle/>
           <a:p>
-            <a:pPr lvl="0" indent="0" marL="0">
-              <a:buNone/>
-            </a:pPr>
-            <a:r>
-              <a:rPr/>
-              <a:t>Download </a:t>
-            </a:r>
-            <a:r>
-              <a:rPr>
-                <a:hlinkClick r:id="rId2"/>
-              </a:rPr>
-              <a:t>DOC</a:t>
-            </a:r>
-            <a:r>
-              <a:rPr/>
-              <a:t>, </a:t>
-            </a:r>
-            <a:r>
-              <a:rPr>
-                <a:hlinkClick r:id="rId3"/>
-              </a:rPr>
-              <a:t>SLIDE</a:t>
-            </a:r>
-            <a:r>
-              <a:rPr/>
-              <a:t>, </a:t>
-            </a:r>
-            <a:r>
-              <a:rPr>
-                <a:hlinkClick r:id="rId4"/>
-              </a:rPr>
-              <a:t>PPTX</a:t>
+            <a:pPr lvl="0"/>
+            <a:r>
+              <a:rPr/>
+              <a:t>Stack ADT</a:t>
+            </a:r>
+          </a:p>
+          <a:p>
+            <a:pPr lvl="1"/>
+            <a:r>
+              <a:rPr/>
+              <a:t>Stack Using Array</a:t>
+            </a:r>
+          </a:p>
+          <a:p>
+            <a:pPr lvl="1"/>
+            <a:r>
+              <a:rPr/>
+              <a:t>Stack Using Linked List</a:t>
+            </a:r>
+          </a:p>
+          <a:p>
+            <a:pPr lvl="0"/>
+            <a:r>
+              <a:rPr/>
+              <a:t>Expressions</a:t>
+            </a:r>
+          </a:p>
+          <a:p>
+            <a:pPr lvl="1"/>
+            <a:r>
+              <a:rPr/>
+              <a:t>Infix</a:t>
+            </a:r>
+          </a:p>
+          <a:p>
+            <a:pPr lvl="1"/>
+            <a:r>
+              <a:rPr/>
+              <a:t>Postfix</a:t>
+            </a:r>
+          </a:p>
+          <a:p>
+            <a:pPr lvl="1"/>
+            <a:r>
+              <a:rPr/>
+              <a:t>Prefix</a:t>
+            </a:r>
+          </a:p>
+          <a:p>
+            <a:pPr lvl="1"/>
+            <a:r>
+              <a:rPr/>
+              <a:t>Infix to Postfix Conversion</a:t>
+            </a:r>
+          </a:p>
+          <a:p>
+            <a:pPr lvl="1"/>
+            <a:r>
+              <a:rPr/>
+              <a:t>Postfix Expression Evaluation</a:t>
             </a:r>
           </a:p>
         </p:txBody>
@@ -3495,6 +4709,31 @@
       </p:grpSpPr>
       <p:sp>
         <p:nvSpPr>
+          <p:cNvPr id="2" name="Title 1"/>
+          <p:cNvSpPr>
+            <a:spLocks noGrp="1"/>
+          </p:cNvSpPr>
+          <p:nvPr>
+            <p:ph type="title"/>
+          </p:nvPr>
+        </p:nvSpPr>
+        <p:spPr/>
+        <p:txBody>
+          <a:bodyPr/>
+          <a:lstStyle/>
+          <a:p>
+            <a:pPr lvl="0" indent="0" marL="0">
+              <a:buNone/>
+            </a:pPr>
+            <a:r>
+              <a:rPr/>
+              <a:t>Outline-2</a:t>
+            </a:r>
+          </a:p>
+        </p:txBody>
+      </p:sp>
+      <p:sp>
+        <p:nvSpPr>
           <p:cNvPr id="3" name="Content Placeholder 2"/>
           <p:cNvSpPr>
             <a:spLocks noGrp="1"/>
@@ -3508,30 +4747,59 @@
           <a:bodyPr/>
           <a:lstStyle/>
           <a:p>
-            <a:pPr lvl="0" indent="-457200" marL="457200">
-              <a:buAutoNum type="arabicPeriod"/>
-            </a:pPr>
-            <a:r>
-              <a:rPr/>
-              <a:t>Stack ADT</a:t>
-            </a:r>
-          </a:p>
-          <a:p>
-            <a:pPr lvl="0" indent="-457200" marL="457200">
-              <a:buAutoNum type="arabicPeriod"/>
-            </a:pPr>
-            <a:r>
-              <a:rPr/>
-              <a:t>Stack Using Array</a:t>
-            </a:r>
-          </a:p>
-          <a:p>
-            <a:pPr lvl="0" indent="-457200" marL="457200">
-              <a:buAutoNum type="arabicPeriod"/>
-            </a:pPr>
-            <a:r>
-              <a:rPr/>
-              <a:t>Stack Using Linked List</a:t>
+            <a:pPr lvl="0"/>
+            <a:r>
+              <a:rPr/>
+              <a:t>Queue ADT</a:t>
+            </a:r>
+          </a:p>
+          <a:p>
+            <a:pPr lvl="1"/>
+            <a:r>
+              <a:rPr/>
+              <a:t>First Come First Serve, FCFS, FIFO</a:t>
+            </a:r>
+          </a:p>
+          <a:p>
+            <a:pPr lvl="1"/>
+            <a:r>
+              <a:rPr/>
+              <a:t>Queue Data structure Using Array</a:t>
+            </a:r>
+          </a:p>
+          <a:p>
+            <a:pPr lvl="1"/>
+            <a:r>
+              <a:rPr/>
+              <a:t>Queue Using Linked List</a:t>
+            </a:r>
+          </a:p>
+          <a:p>
+            <a:pPr lvl="1"/>
+            <a:r>
+              <a:rPr/>
+              <a:t>Circular Queue Data structure</a:t>
+            </a:r>
+          </a:p>
+          <a:p>
+            <a:pPr lvl="1"/>
+            <a:r>
+              <a:rPr/>
+              <a:t>Double Ended Queue Data structure</a:t>
+            </a:r>
+          </a:p>
+          <a:p>
+            <a:pPr lvl="1"/>
+            <a:r>
+              <a:rPr/>
+              <a:t>Multilevel Queue (MLQ)</a:t>
+            </a:r>
+          </a:p>
+          <a:p>
+            <a:pPr lvl="0"/>
+            <a:r>
+              <a:rPr/>
+              <a:t>Hanoi Tower</a:t>
             </a:r>
           </a:p>
         </p:txBody>
@@ -3560,6 +4828,31 @@
       </p:grpSpPr>
       <p:sp>
         <p:nvSpPr>
+          <p:cNvPr id="2" name="Title 1"/>
+          <p:cNvSpPr>
+            <a:spLocks noGrp="1"/>
+          </p:cNvSpPr>
+          <p:nvPr>
+            <p:ph type="title"/>
+          </p:nvPr>
+        </p:nvSpPr>
+        <p:spPr/>
+        <p:txBody>
+          <a:bodyPr/>
+          <a:lstStyle/>
+          <a:p>
+            <a:pPr lvl="0" indent="0" marL="0">
+              <a:buNone/>
+            </a:pPr>
+            <a:r>
+              <a:rPr/>
+              <a:t>Stack ADT</a:t>
+            </a:r>
+          </a:p>
+        </p:txBody>
+      </p:sp>
+      <p:sp>
+        <p:nvSpPr>
           <p:cNvPr id="3" name="Content Placeholder 2"/>
           <p:cNvSpPr>
             <a:spLocks noGrp="1"/>
@@ -3573,111 +4866,17 @@
           <a:bodyPr/>
           <a:lstStyle/>
           <a:p>
-            <a:pPr lvl="0" indent="-457200" marL="457200">
-              <a:buAutoNum type="arabicPeriod"/>
-            </a:pPr>
-            <a:r>
-              <a:rPr/>
-              <a:t>Expressions</a:t>
-            </a:r>
-          </a:p>
-          <a:p>
-            <a:pPr lvl="0" indent="-457200" marL="457200">
-              <a:buAutoNum type="alphaLcPeriod"/>
-            </a:pPr>
-            <a:r>
-              <a:rPr/>
-              <a:t>Infix</a:t>
-            </a:r>
-          </a:p>
-          <a:p>
-            <a:pPr lvl="0" indent="-457200" marL="457200">
-              <a:buAutoNum type="alphaLcPeriod"/>
-            </a:pPr>
-            <a:r>
-              <a:rPr/>
-              <a:t>Postfix</a:t>
-            </a:r>
-          </a:p>
-          <a:p>
-            <a:pPr lvl="0" indent="-457200" marL="457200">
-              <a:buAutoNum type="alphaLcPeriod"/>
-            </a:pPr>
-            <a:r>
-              <a:rPr/>
-              <a:t>Prefix</a:t>
-            </a:r>
-          </a:p>
-          <a:p>
-            <a:pPr lvl="0" indent="-457200" marL="457200">
-              <a:buAutoNum startAt="5" type="arabicPeriod"/>
-            </a:pPr>
-            <a:r>
-              <a:rPr/>
-              <a:t>Infix to Postfix Conversion</a:t>
-            </a:r>
-          </a:p>
-          <a:p>
-            <a:pPr lvl="0" indent="-457200" marL="457200">
-              <a:buAutoNum startAt="5" type="arabicPeriod"/>
-            </a:pPr>
-            <a:r>
-              <a:rPr/>
-              <a:t>Postfix Expression Evaluation</a:t>
-            </a:r>
-          </a:p>
-          <a:p>
-            <a:pPr lvl="0" indent="-457200" marL="457200">
-              <a:buAutoNum startAt="5" type="arabicPeriod"/>
-            </a:pPr>
-            <a:r>
-              <a:rPr/>
-              <a:t>Queue ADT</a:t>
-            </a:r>
-          </a:p>
-          <a:p>
-            <a:pPr lvl="0" indent="-457200" marL="457200">
-              <a:buAutoNum type="alphaLcPeriod"/>
-            </a:pPr>
-            <a:r>
-              <a:rPr/>
-              <a:t>First Come First Serve, FCFS, FIFO</a:t>
-            </a:r>
-          </a:p>
-          <a:p>
-            <a:pPr lvl="0" indent="-457200" marL="457200">
-              <a:buAutoNum startAt="8" type="arabicPeriod"/>
-            </a:pPr>
-            <a:r>
-              <a:rPr/>
-              <a:t>Queue Data structure Using Array</a:t>
-            </a:r>
-          </a:p>
-          <a:p>
-            <a:pPr lvl="0" indent="-457200" marL="457200">
-              <a:buAutoNum startAt="8" type="arabicPeriod"/>
-            </a:pPr>
-            <a:r>
-              <a:rPr/>
-              <a:t>Queue Using Linked List</a:t>
-            </a:r>
-          </a:p>
-          <a:p>
-            <a:pPr lvl="0" indent="-457200" marL="457200">
-              <a:buAutoNum startAt="8" type="arabicPeriod"/>
-            </a:pPr>
-            <a:r>
-              <a:rPr/>
-              <a:t>Circular Queue Data structure</a:t>
-            </a:r>
-          </a:p>
-          <a:p>
-            <a:pPr lvl="0" indent="-457200" marL="457200">
-              <a:buAutoNum startAt="8" type="arabicPeriod"/>
-            </a:pPr>
-            <a:r>
-              <a:rPr/>
-              <a:t>Double Ended Queue Data structure</a:t>
+            <a:pPr lvl="0"/>
+            <a:r>
+              <a:rPr/>
+              <a:t>BTech Smart Class</a:t>
+            </a:r>
+          </a:p>
+          <a:p>
+            <a:pPr lvl="1"/>
+            <a:r>
+              <a:rPr/>
+              <a:t>http://www.btechsmartclass.com/data_structures/stack-adt.html</a:t>
             </a:r>
           </a:p>
         </p:txBody>
@@ -3706,6 +4905,31 @@
       </p:grpSpPr>
       <p:sp>
         <p:nvSpPr>
+          <p:cNvPr id="2" name="Title 1"/>
+          <p:cNvSpPr>
+            <a:spLocks noGrp="1"/>
+          </p:cNvSpPr>
+          <p:nvPr>
+            <p:ph type="title"/>
+          </p:nvPr>
+        </p:nvSpPr>
+        <p:spPr/>
+        <p:txBody>
+          <a:bodyPr/>
+          <a:lstStyle/>
+          <a:p>
+            <a:pPr lvl="0" indent="0" marL="0">
+              <a:buNone/>
+            </a:pPr>
+            <a:r>
+              <a:rPr/>
+              <a:t>Stack Using Array</a:t>
+            </a:r>
+          </a:p>
+        </p:txBody>
+      </p:sp>
+      <p:sp>
+        <p:nvSpPr>
           <p:cNvPr id="3" name="Content Placeholder 2"/>
           <p:cNvSpPr>
             <a:spLocks noGrp="1"/>
@@ -3719,70 +4943,17 @@
           <a:bodyPr/>
           <a:lstStyle/>
           <a:p>
-            <a:pPr lvl="0" indent="-457200" marL="457200">
-              <a:buAutoNum type="arabicPeriod"/>
-            </a:pPr>
-            <a:r>
-              <a:rPr/>
-              <a:t>Hanoi Tower</a:t>
-            </a:r>
-          </a:p>
-          <a:p>
-            <a:pPr lvl="0" indent="-457200" marL="457200">
-              <a:buAutoNum type="arabicPeriod"/>
-            </a:pPr>
-            <a:r>
-              <a:rPr/>
-              <a:t>Multilevel Queue (MLQ)</a:t>
-            </a:r>
-          </a:p>
-          <a:p>
-            <a:pPr lvl="0" indent="0" marL="0">
-              <a:buNone/>
-            </a:pPr>
-            <a:r>
-              <a:rPr/>
-              <a:t>Hanoi Tower</a:t>
-            </a:r>
-          </a:p>
-          <a:p>
-            <a:pPr lvl="0" indent="0" marL="0">
-              <a:buNone/>
-            </a:pPr>
-            <a:r>
-              <a:rPr/>
-              <a:t>Recursive Version</a:t>
-            </a:r>
-          </a:p>
-          <a:p>
-            <a:pPr lvl="0" indent="0" marL="0">
-              <a:buNone/>
-            </a:pPr>
-            <a:r>
-              <a:rPr>
-                <a:hlinkClick r:id="rId2"/>
-              </a:rPr>
-              <a:t>Program for Tower of Hanoi - GeeksforGeeks</a:t>
-            </a:r>
-          </a:p>
-          <a:p>
-            <a:pPr lvl="0" indent="0" marL="0">
-              <a:buNone/>
-            </a:pPr>
-            <a:r>
-              <a:rPr/>
-              <a:t>Iterative Version</a:t>
-            </a:r>
-          </a:p>
-          <a:p>
-            <a:pPr lvl="0" indent="0" marL="0">
-              <a:buNone/>
-            </a:pPr>
-            <a:r>
-              <a:rPr>
-                <a:hlinkClick r:id="rId3"/>
-              </a:rPr>
-              <a:t>Iterative Tower of Hanoi - GeeksforGeeks</a:t>
+            <a:pPr lvl="0"/>
+            <a:r>
+              <a:rPr/>
+              <a:t>BTech Smart Class</a:t>
+            </a:r>
+          </a:p>
+          <a:p>
+            <a:pPr lvl="1"/>
+            <a:r>
+              <a:rPr/>
+              <a:t>http://www.btechsmartclass.com/data_structures/stack-using-array.html</a:t>
             </a:r>
           </a:p>
         </p:txBody>
@@ -3811,6 +4982,31 @@
       </p:grpSpPr>
       <p:sp>
         <p:nvSpPr>
+          <p:cNvPr id="2" name="Title 1"/>
+          <p:cNvSpPr>
+            <a:spLocks noGrp="1"/>
+          </p:cNvSpPr>
+          <p:nvPr>
+            <p:ph type="title"/>
+          </p:nvPr>
+        </p:nvSpPr>
+        <p:spPr/>
+        <p:txBody>
+          <a:bodyPr/>
+          <a:lstStyle/>
+          <a:p>
+            <a:pPr lvl="0" indent="0" marL="0">
+              <a:buNone/>
+            </a:pPr>
+            <a:r>
+              <a:rPr/>
+              <a:t>Stack Using Linked List</a:t>
+            </a:r>
+          </a:p>
+        </p:txBody>
+      </p:sp>
+      <p:sp>
+        <p:nvSpPr>
           <p:cNvPr id="3" name="Content Placeholder 2"/>
           <p:cNvSpPr>
             <a:spLocks noGrp="1"/>
@@ -3824,111 +5020,17 @@
           <a:bodyPr/>
           <a:lstStyle/>
           <a:p>
-            <a:pPr lvl="0" indent="0" marL="0">
-              <a:buNone/>
-            </a:pPr>
-            <a:r>
-              <a:rPr/>
-              <a:t>Iterative Algorithm:</a:t>
-            </a:r>
-          </a:p>
-          <a:p>
-            <a:pPr lvl="0" indent="0" marL="0">
-              <a:buNone/>
-            </a:pPr>
-            <a:r>
-              <a:rPr/>
-              <a:t>Calculate the total number of moves required i.e.</a:t>
-            </a:r>
-          </a:p>
-          <a:p>
-            <a:pPr lvl="0" indent="0" marL="0">
-              <a:buNone/>
-            </a:pPr>
-            <a:r>
-              <a:rPr/>
-              <a:t>“pow(2, n)- 1” here n is number of disks.</a:t>
-            </a:r>
-          </a:p>
-          <a:p>
-            <a:pPr lvl="0" indent="-457200" marL="457200">
-              <a:buAutoNum startAt="2" type="arabicPeriod"/>
-            </a:pPr>
-            <a:r>
-              <a:rPr/>
-              <a:t>If number of disks (i.e. n) is even then interchange destination</a:t>
-            </a:r>
-          </a:p>
-          <a:p>
-            <a:pPr lvl="1" indent="0" marL="457200">
-              <a:buNone/>
-            </a:pPr>
-            <a:r>
-              <a:rPr/>
-              <a:t>pole and auxiliary pole.</a:t>
-            </a:r>
-          </a:p>
-          <a:p>
-            <a:pPr lvl="0" indent="-457200" marL="457200">
-              <a:buAutoNum startAt="2" type="arabicPeriod"/>
-            </a:pPr>
-            <a:r>
-              <a:rPr/>
-              <a:t>for i = 1 to total number of moves:</a:t>
-            </a:r>
-          </a:p>
-          <a:p>
-            <a:pPr lvl="0" indent="0" marL="0">
-              <a:buNone/>
-            </a:pPr>
-            <a:r>
-              <a:rPr/>
-              <a:t>if i%3 == 1:</a:t>
-            </a:r>
-          </a:p>
-          <a:p>
-            <a:pPr lvl="0" indent="0" marL="0">
-              <a:buNone/>
-            </a:pPr>
-            <a:r>
-              <a:rPr/>
-              <a:t>legal movement of top disk between source pole and destination pole</a:t>
-            </a:r>
-          </a:p>
-          <a:p>
-            <a:pPr lvl="0" indent="0" marL="0">
-              <a:buNone/>
-            </a:pPr>
-            <a:r>
-              <a:rPr/>
-              <a:t>if i%3 == 2:</a:t>
-            </a:r>
-          </a:p>
-          <a:p>
-            <a:pPr lvl="0" indent="0" marL="0">
-              <a:buNone/>
-            </a:pPr>
-            <a:r>
-              <a:rPr/>
-              <a:t>legal movement top disk between source pole and auxiliary pol</a:t>
-            </a:r>
-          </a:p>
-          <a:p>
-            <a:pPr lvl="0" indent="0" marL="0">
-              <a:buNone/>
-            </a:pPr>
-            <a:r>
-              <a:rPr/>
-              <a:t>if i%3 == 0:</a:t>
-            </a:r>
-          </a:p>
-          <a:p>
-            <a:pPr lvl="0" indent="0" marL="0">
-              <a:buNone/>
-            </a:pPr>
-            <a:r>
-              <a:rPr/>
-              <a:t>legal movement top disk between auxiliary pole and destination pole</a:t>
+            <a:pPr lvl="0"/>
+            <a:r>
+              <a:rPr/>
+              <a:t>BTech Smart Class</a:t>
+            </a:r>
+          </a:p>
+          <a:p>
+            <a:pPr lvl="1"/>
+            <a:r>
+              <a:rPr/>
+              <a:t>http://www.btechsmartclass.com/data_structures/stack-using-linked-list.html</a:t>
             </a:r>
           </a:p>
         </p:txBody>
@@ -3957,6 +5059,31 @@
       </p:grpSpPr>
       <p:sp>
         <p:nvSpPr>
+          <p:cNvPr id="2" name="Title 1"/>
+          <p:cNvSpPr>
+            <a:spLocks noGrp="1"/>
+          </p:cNvSpPr>
+          <p:nvPr>
+            <p:ph type="title"/>
+          </p:nvPr>
+        </p:nvSpPr>
+        <p:spPr/>
+        <p:txBody>
+          <a:bodyPr/>
+          <a:lstStyle/>
+          <a:p>
+            <a:pPr lvl="0" indent="0" marL="0">
+              <a:buNone/>
+            </a:pPr>
+            <a:r>
+              <a:rPr/>
+              <a:t>Expressions</a:t>
+            </a:r>
+          </a:p>
+        </p:txBody>
+      </p:sp>
+      <p:sp>
+        <p:nvSpPr>
           <p:cNvPr id="3" name="Content Placeholder 2"/>
           <p:cNvSpPr>
             <a:spLocks noGrp="1"/>
@@ -3970,30 +5097,38 @@
           <a:bodyPr/>
           <a:lstStyle/>
           <a:p>
-            <a:pPr lvl="0" indent="0" marL="0">
-              <a:buNone/>
-            </a:pPr>
-            <a:r>
-              <a:rPr/>
-              <a:t>S = Source</a:t>
-            </a:r>
-          </a:p>
-          <a:p>
-            <a:pPr lvl="0" indent="0" marL="0">
-              <a:buNone/>
-            </a:pPr>
-            <a:r>
-              <a:rPr/>
-              <a:t>A = Aux</a:t>
-            </a:r>
-          </a:p>
-          <a:p>
-            <a:pPr lvl="0" indent="0" marL="0">
-              <a:buNone/>
-            </a:pPr>
-            <a:r>
-              <a:rPr/>
-              <a:t>D = Dest</a:t>
+            <a:pPr lvl="0"/>
+            <a:r>
+              <a:rPr/>
+              <a:t>BTech Smart Class</a:t>
+            </a:r>
+          </a:p>
+          <a:p>
+            <a:pPr lvl="1"/>
+            <a:r>
+              <a:rPr/>
+              <a:t>http://www.btechsmartclass.com/data_structures/expressions.html</a:t>
+            </a:r>
+          </a:p>
+          <a:p>
+            <a:pPr lvl="2"/>
+            <a:r>
+              <a:rPr/>
+              <a:t>Infix</a:t>
+            </a:r>
+          </a:p>
+          <a:p>
+            <a:pPr lvl="2"/>
+            <a:r>
+              <a:rPr/>
+              <a:t>Postfix</a:t>
+            </a:r>
+          </a:p>
+          <a:p>
+            <a:pPr lvl="2"/>
+            <a:r>
+              <a:rPr/>
+              <a:t>Prefix</a:t>
             </a:r>
           </a:p>
         </p:txBody>
